--- a/Doc/unity图标.pptx
+++ b/Doc/unity图标.pptx
@@ -6,6 +6,8 @@
   </p:sldMasterIdLst>
   <p:sldIdLst>
     <p:sldId id="256" r:id="rId2"/>
+    <p:sldId id="257" r:id="rId3"/>
+    <p:sldId id="258" r:id="rId4"/>
   </p:sldIdLst>
   <p:sldSz cx="12192000" cy="6858000"/>
   <p:notesSz cx="6858000" cy="9144000"/>
@@ -104,6 +106,11 @@
       </a:defRPr>
     </a:lvl9pPr>
   </p:defaultTextStyle>
+  <p:extLst>
+    <p:ext uri="{EFAFB233-063F-42B5-8137-9DF3F51BA10A}">
+      <p15:sldGuideLst xmlns:p15="http://schemas.microsoft.com/office/powerpoint/2012/main"/>
+    </p:ext>
+  </p:extLst>
 </p:presentation>
 </file>
 
@@ -238,7 +245,7 @@
           <a:p>
             <a:fld id="{71983D57-8EE9-4D24-9B36-1E7B72870EA4}" type="datetimeFigureOut">
               <a:rPr lang="zh-CN" altLang="en-US" smtClean="0"/>
-              <a:t>2018/12/16</a:t>
+              <a:t>2018/12/17</a:t>
             </a:fld>
             <a:endParaRPr lang="zh-CN" altLang="en-US"/>
           </a:p>
@@ -408,7 +415,7 @@
           <a:p>
             <a:fld id="{71983D57-8EE9-4D24-9B36-1E7B72870EA4}" type="datetimeFigureOut">
               <a:rPr lang="zh-CN" altLang="en-US" smtClean="0"/>
-              <a:t>2018/12/16</a:t>
+              <a:t>2018/12/17</a:t>
             </a:fld>
             <a:endParaRPr lang="zh-CN" altLang="en-US"/>
           </a:p>
@@ -588,7 +595,7 @@
           <a:p>
             <a:fld id="{71983D57-8EE9-4D24-9B36-1E7B72870EA4}" type="datetimeFigureOut">
               <a:rPr lang="zh-CN" altLang="en-US" smtClean="0"/>
-              <a:t>2018/12/16</a:t>
+              <a:t>2018/12/17</a:t>
             </a:fld>
             <a:endParaRPr lang="zh-CN" altLang="en-US"/>
           </a:p>
@@ -758,7 +765,7 @@
           <a:p>
             <a:fld id="{71983D57-8EE9-4D24-9B36-1E7B72870EA4}" type="datetimeFigureOut">
               <a:rPr lang="zh-CN" altLang="en-US" smtClean="0"/>
-              <a:t>2018/12/16</a:t>
+              <a:t>2018/12/17</a:t>
             </a:fld>
             <a:endParaRPr lang="zh-CN" altLang="en-US"/>
           </a:p>
@@ -1004,7 +1011,7 @@
           <a:p>
             <a:fld id="{71983D57-8EE9-4D24-9B36-1E7B72870EA4}" type="datetimeFigureOut">
               <a:rPr lang="zh-CN" altLang="en-US" smtClean="0"/>
-              <a:t>2018/12/16</a:t>
+              <a:t>2018/12/17</a:t>
             </a:fld>
             <a:endParaRPr lang="zh-CN" altLang="en-US"/>
           </a:p>
@@ -1236,7 +1243,7 @@
           <a:p>
             <a:fld id="{71983D57-8EE9-4D24-9B36-1E7B72870EA4}" type="datetimeFigureOut">
               <a:rPr lang="zh-CN" altLang="en-US" smtClean="0"/>
-              <a:t>2018/12/16</a:t>
+              <a:t>2018/12/17</a:t>
             </a:fld>
             <a:endParaRPr lang="zh-CN" altLang="en-US"/>
           </a:p>
@@ -1603,7 +1610,7 @@
           <a:p>
             <a:fld id="{71983D57-8EE9-4D24-9B36-1E7B72870EA4}" type="datetimeFigureOut">
               <a:rPr lang="zh-CN" altLang="en-US" smtClean="0"/>
-              <a:t>2018/12/16</a:t>
+              <a:t>2018/12/17</a:t>
             </a:fld>
             <a:endParaRPr lang="zh-CN" altLang="en-US"/>
           </a:p>
@@ -1721,7 +1728,7 @@
           <a:p>
             <a:fld id="{71983D57-8EE9-4D24-9B36-1E7B72870EA4}" type="datetimeFigureOut">
               <a:rPr lang="zh-CN" altLang="en-US" smtClean="0"/>
-              <a:t>2018/12/16</a:t>
+              <a:t>2018/12/17</a:t>
             </a:fld>
             <a:endParaRPr lang="zh-CN" altLang="en-US"/>
           </a:p>
@@ -1816,7 +1823,7 @@
           <a:p>
             <a:fld id="{71983D57-8EE9-4D24-9B36-1E7B72870EA4}" type="datetimeFigureOut">
               <a:rPr lang="zh-CN" altLang="en-US" smtClean="0"/>
-              <a:t>2018/12/16</a:t>
+              <a:t>2018/12/17</a:t>
             </a:fld>
             <a:endParaRPr lang="zh-CN" altLang="en-US"/>
           </a:p>
@@ -2093,7 +2100,7 @@
           <a:p>
             <a:fld id="{71983D57-8EE9-4D24-9B36-1E7B72870EA4}" type="datetimeFigureOut">
               <a:rPr lang="zh-CN" altLang="en-US" smtClean="0"/>
-              <a:t>2018/12/16</a:t>
+              <a:t>2018/12/17</a:t>
             </a:fld>
             <a:endParaRPr lang="zh-CN" altLang="en-US"/>
           </a:p>
@@ -2346,7 +2353,7 @@
           <a:p>
             <a:fld id="{71983D57-8EE9-4D24-9B36-1E7B72870EA4}" type="datetimeFigureOut">
               <a:rPr lang="zh-CN" altLang="en-US" smtClean="0"/>
-              <a:t>2018/12/16</a:t>
+              <a:t>2018/12/17</a:t>
             </a:fld>
             <a:endParaRPr lang="zh-CN" altLang="en-US"/>
           </a:p>
@@ -2559,7 +2566,7 @@
           <a:p>
             <a:fld id="{71983D57-8EE9-4D24-9B36-1E7B72870EA4}" type="datetimeFigureOut">
               <a:rPr lang="zh-CN" altLang="en-US" smtClean="0"/>
-              <a:t>2018/12/16</a:t>
+              <a:t>2018/12/17</a:t>
             </a:fld>
             <a:endParaRPr lang="zh-CN" altLang="en-US"/>
           </a:p>
@@ -3310,10 +3317,237 @@
           </p:pic>
         </p:grpSp>
       </p:grpSp>
+      <p:pic>
+        <p:nvPicPr>
+          <p:cNvPr id="15" name="图片 14"/>
+          <p:cNvPicPr>
+            <a:picLocks noChangeAspect="1"/>
+          </p:cNvPicPr>
+          <p:nvPr/>
+        </p:nvPicPr>
+        <p:blipFill>
+          <a:blip r:embed="rId2" cstate="print">
+            <a:extLst>
+              <a:ext uri="{28A0092B-C50C-407E-A947-70E740481C1C}">
+                <a14:useLocalDpi xmlns:a14="http://schemas.microsoft.com/office/drawing/2010/main" val="0"/>
+              </a:ext>
+            </a:extLst>
+          </a:blip>
+          <a:stretch>
+            <a:fillRect/>
+          </a:stretch>
+        </p:blipFill>
+        <p:spPr>
+          <a:xfrm>
+            <a:off x="2568867" y="4547011"/>
+            <a:ext cx="715574" cy="715574"/>
+          </a:xfrm>
+          <a:prstGeom prst="rect">
+            <a:avLst/>
+          </a:prstGeom>
+        </p:spPr>
+      </p:pic>
     </p:spTree>
     <p:extLst>
       <p:ext uri="{BB962C8B-B14F-4D97-AF65-F5344CB8AC3E}">
         <p14:creationId xmlns:p14="http://schemas.microsoft.com/office/powerpoint/2010/main" val="2293887975"/>
+      </p:ext>
+    </p:extLst>
+  </p:cSld>
+  <p:clrMapOvr>
+    <a:masterClrMapping/>
+  </p:clrMapOvr>
+</p:sld>
+</file>
+
+<file path=ppt/slides/slide2.xml><?xml version="1.0" encoding="utf-8"?>
+<p:sld xmlns:a="http://schemas.openxmlformats.org/drawingml/2006/main" xmlns:r="http://schemas.openxmlformats.org/officeDocument/2006/relationships" xmlns:p="http://schemas.openxmlformats.org/presentationml/2006/main">
+  <p:cSld>
+    <p:spTree>
+      <p:nvGrpSpPr>
+        <p:cNvPr id="1" name=""/>
+        <p:cNvGrpSpPr/>
+        <p:nvPr/>
+      </p:nvGrpSpPr>
+      <p:grpSpPr>
+        <a:xfrm>
+          <a:off x="0" y="0"/>
+          <a:ext cx="0" cy="0"/>
+          <a:chOff x="0" y="0"/>
+          <a:chExt cx="0" cy="0"/>
+        </a:xfrm>
+      </p:grpSpPr>
+      <p:grpSp>
+        <p:nvGrpSpPr>
+          <p:cNvPr id="2" name="组合 1"/>
+          <p:cNvGrpSpPr/>
+          <p:nvPr/>
+        </p:nvGrpSpPr>
+        <p:grpSpPr>
+          <a:xfrm>
+            <a:off x="1178360" y="4547011"/>
+            <a:ext cx="1944717" cy="715574"/>
+            <a:chOff x="1178360" y="4547011"/>
+            <a:chExt cx="1944717" cy="715574"/>
+          </a:xfrm>
+        </p:grpSpPr>
+        <p:pic>
+          <p:nvPicPr>
+            <p:cNvPr id="15" name="图片 14"/>
+            <p:cNvPicPr>
+              <a:picLocks noChangeAspect="1"/>
+            </p:cNvPicPr>
+            <p:nvPr/>
+          </p:nvPicPr>
+          <p:blipFill>
+            <a:blip r:embed="rId2" cstate="print">
+              <a:extLst>
+                <a:ext uri="{28A0092B-C50C-407E-A947-70E740481C1C}">
+                  <a14:useLocalDpi xmlns:a14="http://schemas.microsoft.com/office/drawing/2010/main" val="0"/>
+                </a:ext>
+              </a:extLst>
+            </a:blip>
+            <a:stretch>
+              <a:fillRect/>
+            </a:stretch>
+          </p:blipFill>
+          <p:spPr>
+            <a:xfrm>
+              <a:off x="2407503" y="4547011"/>
+              <a:ext cx="715574" cy="715574"/>
+            </a:xfrm>
+            <a:prstGeom prst="rect">
+              <a:avLst/>
+            </a:prstGeom>
+          </p:spPr>
+        </p:pic>
+        <p:pic>
+          <p:nvPicPr>
+            <p:cNvPr id="16" name="图片 15"/>
+            <p:cNvPicPr>
+              <a:picLocks noChangeAspect="1"/>
+            </p:cNvPicPr>
+            <p:nvPr/>
+          </p:nvPicPr>
+          <p:blipFill>
+            <a:blip r:embed="rId2" cstate="print">
+              <a:grayscl/>
+              <a:extLst>
+                <a:ext uri="{28A0092B-C50C-407E-A947-70E740481C1C}">
+                  <a14:useLocalDpi xmlns:a14="http://schemas.microsoft.com/office/drawing/2010/main" val="0"/>
+                </a:ext>
+              </a:extLst>
+            </a:blip>
+            <a:stretch>
+              <a:fillRect/>
+            </a:stretch>
+          </p:blipFill>
+          <p:spPr>
+            <a:xfrm>
+              <a:off x="1178360" y="4547011"/>
+              <a:ext cx="715574" cy="715574"/>
+            </a:xfrm>
+            <a:prstGeom prst="rect">
+              <a:avLst/>
+            </a:prstGeom>
+          </p:spPr>
+        </p:pic>
+      </p:grpSp>
+    </p:spTree>
+    <p:extLst>
+      <p:ext uri="{BB962C8B-B14F-4D97-AF65-F5344CB8AC3E}">
+        <p14:creationId xmlns:p14="http://schemas.microsoft.com/office/powerpoint/2010/main" val="1693652616"/>
+      </p:ext>
+    </p:extLst>
+  </p:cSld>
+  <p:clrMapOvr>
+    <a:masterClrMapping/>
+  </p:clrMapOvr>
+</p:sld>
+</file>
+
+<file path=ppt/slides/slide3.xml><?xml version="1.0" encoding="utf-8"?>
+<p:sld xmlns:a="http://schemas.openxmlformats.org/drawingml/2006/main" xmlns:r="http://schemas.openxmlformats.org/officeDocument/2006/relationships" xmlns:p="http://schemas.openxmlformats.org/presentationml/2006/main">
+  <p:cSld>
+    <p:spTree>
+      <p:nvGrpSpPr>
+        <p:cNvPr id="1" name=""/>
+        <p:cNvGrpSpPr/>
+        <p:nvPr/>
+      </p:nvGrpSpPr>
+      <p:grpSpPr>
+        <a:xfrm>
+          <a:off x="0" y="0"/>
+          <a:ext cx="0" cy="0"/>
+          <a:chOff x="0" y="0"/>
+          <a:chExt cx="0" cy="0"/>
+        </a:xfrm>
+      </p:grpSpPr>
+      <p:pic>
+        <p:nvPicPr>
+          <p:cNvPr id="15" name="图片 14"/>
+          <p:cNvPicPr>
+            <a:picLocks noChangeAspect="1"/>
+          </p:cNvPicPr>
+          <p:nvPr/>
+        </p:nvPicPr>
+        <p:blipFill>
+          <a:blip r:embed="rId2" cstate="print">
+            <a:extLst>
+              <a:ext uri="{28A0092B-C50C-407E-A947-70E740481C1C}">
+                <a14:useLocalDpi xmlns:a14="http://schemas.microsoft.com/office/drawing/2010/main" val="0"/>
+              </a:ext>
+            </a:extLst>
+          </a:blip>
+          <a:stretch>
+            <a:fillRect/>
+          </a:stretch>
+        </p:blipFill>
+        <p:spPr>
+          <a:xfrm>
+            <a:off x="5482396" y="4493222"/>
+            <a:ext cx="715574" cy="715574"/>
+          </a:xfrm>
+          <a:prstGeom prst="rect">
+            <a:avLst/>
+          </a:prstGeom>
+        </p:spPr>
+      </p:pic>
+      <p:pic>
+        <p:nvPicPr>
+          <p:cNvPr id="16" name="图片 15"/>
+          <p:cNvPicPr>
+            <a:picLocks noChangeAspect="1"/>
+          </p:cNvPicPr>
+          <p:nvPr/>
+        </p:nvPicPr>
+        <p:blipFill>
+          <a:blip r:embed="rId2" cstate="print">
+            <a:grayscl/>
+            <a:extLst>
+              <a:ext uri="{28A0092B-C50C-407E-A947-70E740481C1C}">
+                <a14:useLocalDpi xmlns:a14="http://schemas.microsoft.com/office/drawing/2010/main" val="0"/>
+              </a:ext>
+            </a:extLst>
+          </a:blip>
+          <a:stretch>
+            <a:fillRect/>
+          </a:stretch>
+        </p:blipFill>
+        <p:spPr>
+          <a:xfrm>
+            <a:off x="2937222" y="4493222"/>
+            <a:ext cx="715574" cy="715574"/>
+          </a:xfrm>
+          <a:prstGeom prst="rect">
+            <a:avLst/>
+          </a:prstGeom>
+        </p:spPr>
+      </p:pic>
+    </p:spTree>
+    <p:extLst>
+      <p:ext uri="{BB962C8B-B14F-4D97-AF65-F5344CB8AC3E}">
+        <p14:creationId xmlns:p14="http://schemas.microsoft.com/office/powerpoint/2010/main" val="3542210154"/>
       </p:ext>
     </p:extLst>
   </p:cSld>

--- a/Doc/unity图标.pptx
+++ b/Doc/unity图标.pptx
@@ -245,7 +245,7 @@
           <a:p>
             <a:fld id="{71983D57-8EE9-4D24-9B36-1E7B72870EA4}" type="datetimeFigureOut">
               <a:rPr lang="zh-CN" altLang="en-US" smtClean="0"/>
-              <a:t>2018/12/17</a:t>
+              <a:t>2018/12/26</a:t>
             </a:fld>
             <a:endParaRPr lang="zh-CN" altLang="en-US"/>
           </a:p>
@@ -415,7 +415,7 @@
           <a:p>
             <a:fld id="{71983D57-8EE9-4D24-9B36-1E7B72870EA4}" type="datetimeFigureOut">
               <a:rPr lang="zh-CN" altLang="en-US" smtClean="0"/>
-              <a:t>2018/12/17</a:t>
+              <a:t>2018/12/26</a:t>
             </a:fld>
             <a:endParaRPr lang="zh-CN" altLang="en-US"/>
           </a:p>
@@ -595,7 +595,7 @@
           <a:p>
             <a:fld id="{71983D57-8EE9-4D24-9B36-1E7B72870EA4}" type="datetimeFigureOut">
               <a:rPr lang="zh-CN" altLang="en-US" smtClean="0"/>
-              <a:t>2018/12/17</a:t>
+              <a:t>2018/12/26</a:t>
             </a:fld>
             <a:endParaRPr lang="zh-CN" altLang="en-US"/>
           </a:p>
@@ -765,7 +765,7 @@
           <a:p>
             <a:fld id="{71983D57-8EE9-4D24-9B36-1E7B72870EA4}" type="datetimeFigureOut">
               <a:rPr lang="zh-CN" altLang="en-US" smtClean="0"/>
-              <a:t>2018/12/17</a:t>
+              <a:t>2018/12/26</a:t>
             </a:fld>
             <a:endParaRPr lang="zh-CN" altLang="en-US"/>
           </a:p>
@@ -1011,7 +1011,7 @@
           <a:p>
             <a:fld id="{71983D57-8EE9-4D24-9B36-1E7B72870EA4}" type="datetimeFigureOut">
               <a:rPr lang="zh-CN" altLang="en-US" smtClean="0"/>
-              <a:t>2018/12/17</a:t>
+              <a:t>2018/12/26</a:t>
             </a:fld>
             <a:endParaRPr lang="zh-CN" altLang="en-US"/>
           </a:p>
@@ -1243,7 +1243,7 @@
           <a:p>
             <a:fld id="{71983D57-8EE9-4D24-9B36-1E7B72870EA4}" type="datetimeFigureOut">
               <a:rPr lang="zh-CN" altLang="en-US" smtClean="0"/>
-              <a:t>2018/12/17</a:t>
+              <a:t>2018/12/26</a:t>
             </a:fld>
             <a:endParaRPr lang="zh-CN" altLang="en-US"/>
           </a:p>
@@ -1610,7 +1610,7 @@
           <a:p>
             <a:fld id="{71983D57-8EE9-4D24-9B36-1E7B72870EA4}" type="datetimeFigureOut">
               <a:rPr lang="zh-CN" altLang="en-US" smtClean="0"/>
-              <a:t>2018/12/17</a:t>
+              <a:t>2018/12/26</a:t>
             </a:fld>
             <a:endParaRPr lang="zh-CN" altLang="en-US"/>
           </a:p>
@@ -1728,7 +1728,7 @@
           <a:p>
             <a:fld id="{71983D57-8EE9-4D24-9B36-1E7B72870EA4}" type="datetimeFigureOut">
               <a:rPr lang="zh-CN" altLang="en-US" smtClean="0"/>
-              <a:t>2018/12/17</a:t>
+              <a:t>2018/12/26</a:t>
             </a:fld>
             <a:endParaRPr lang="zh-CN" altLang="en-US"/>
           </a:p>
@@ -1823,7 +1823,7 @@
           <a:p>
             <a:fld id="{71983D57-8EE9-4D24-9B36-1E7B72870EA4}" type="datetimeFigureOut">
               <a:rPr lang="zh-CN" altLang="en-US" smtClean="0"/>
-              <a:t>2018/12/17</a:t>
+              <a:t>2018/12/26</a:t>
             </a:fld>
             <a:endParaRPr lang="zh-CN" altLang="en-US"/>
           </a:p>
@@ -2100,7 +2100,7 @@
           <a:p>
             <a:fld id="{71983D57-8EE9-4D24-9B36-1E7B72870EA4}" type="datetimeFigureOut">
               <a:rPr lang="zh-CN" altLang="en-US" smtClean="0"/>
-              <a:t>2018/12/17</a:t>
+              <a:t>2018/12/26</a:t>
             </a:fld>
             <a:endParaRPr lang="zh-CN" altLang="en-US"/>
           </a:p>
@@ -2353,7 +2353,7 @@
           <a:p>
             <a:fld id="{71983D57-8EE9-4D24-9B36-1E7B72870EA4}" type="datetimeFigureOut">
               <a:rPr lang="zh-CN" altLang="en-US" smtClean="0"/>
-              <a:t>2018/12/17</a:t>
+              <a:t>2018/12/26</a:t>
             </a:fld>
             <a:endParaRPr lang="zh-CN" altLang="en-US"/>
           </a:p>
@@ -2566,7 +2566,7 @@
           <a:p>
             <a:fld id="{71983D57-8EE9-4D24-9B36-1E7B72870EA4}" type="datetimeFigureOut">
               <a:rPr lang="zh-CN" altLang="en-US" smtClean="0"/>
-              <a:t>2018/12/17</a:t>
+              <a:t>2018/12/26</a:t>
             </a:fld>
             <a:endParaRPr lang="zh-CN" altLang="en-US"/>
           </a:p>
@@ -2973,179 +2973,14 @@
       </p:grpSpPr>
       <p:grpSp>
         <p:nvGrpSpPr>
-          <p:cNvPr id="26" name="组合 25"/>
-          <p:cNvGrpSpPr/>
-          <p:nvPr/>
-        </p:nvGrpSpPr>
-        <p:grpSpPr>
-          <a:xfrm>
-            <a:off x="8515306" y="1050264"/>
-            <a:ext cx="1271126" cy="3908881"/>
-            <a:chOff x="8515306" y="1050264"/>
-            <a:chExt cx="1271126" cy="3908881"/>
-          </a:xfrm>
-        </p:grpSpPr>
-        <p:pic>
-          <p:nvPicPr>
-            <p:cNvPr id="20" name="图片 19"/>
-            <p:cNvPicPr>
-              <a:picLocks noChangeAspect="1"/>
-            </p:cNvPicPr>
-            <p:nvPr/>
-          </p:nvPicPr>
-          <p:blipFill>
-            <a:blip r:embed="rId2" cstate="print">
-              <a:extLst>
-                <a:ext uri="{28A0092B-C50C-407E-A947-70E740481C1C}">
-                  <a14:useLocalDpi xmlns:a14="http://schemas.microsoft.com/office/drawing/2010/main" val="0"/>
-                </a:ext>
-              </a:extLst>
-            </a:blip>
-            <a:stretch>
-              <a:fillRect/>
-            </a:stretch>
-          </p:blipFill>
-          <p:spPr>
-            <a:xfrm>
-              <a:off x="8817267" y="4243571"/>
-              <a:ext cx="715574" cy="715574"/>
-            </a:xfrm>
-            <a:prstGeom prst="rect">
-              <a:avLst/>
-            </a:prstGeom>
-          </p:spPr>
-        </p:pic>
-        <p:pic>
-          <p:nvPicPr>
-            <p:cNvPr id="21" name="图片 20"/>
-            <p:cNvPicPr>
-              <a:picLocks noChangeAspect="1"/>
-            </p:cNvPicPr>
-            <p:nvPr/>
-          </p:nvPicPr>
-          <p:blipFill>
-            <a:blip r:embed="rId3" cstate="print">
-              <a:extLst>
-                <a:ext uri="{28A0092B-C50C-407E-A947-70E740481C1C}">
-                  <a14:useLocalDpi xmlns:a14="http://schemas.microsoft.com/office/drawing/2010/main" val="0"/>
-                </a:ext>
-              </a:extLst>
-            </a:blip>
-            <a:stretch>
-              <a:fillRect/>
-            </a:stretch>
-          </p:blipFill>
-          <p:spPr>
-            <a:xfrm>
-              <a:off x="8879048" y="3534459"/>
-              <a:ext cx="592012" cy="592012"/>
-            </a:xfrm>
-            <a:prstGeom prst="rect">
-              <a:avLst/>
-            </a:prstGeom>
-          </p:spPr>
-        </p:pic>
-        <p:pic>
-          <p:nvPicPr>
-            <p:cNvPr id="22" name="图片 21"/>
-            <p:cNvPicPr>
-              <a:picLocks noChangeAspect="1"/>
-            </p:cNvPicPr>
-            <p:nvPr/>
-          </p:nvPicPr>
-          <p:blipFill>
-            <a:blip r:embed="rId4">
-              <a:extLst>
-                <a:ext uri="{28A0092B-C50C-407E-A947-70E740481C1C}">
-                  <a14:useLocalDpi xmlns:a14="http://schemas.microsoft.com/office/drawing/2010/main" val="0"/>
-                </a:ext>
-              </a:extLst>
-            </a:blip>
-            <a:stretch>
-              <a:fillRect/>
-            </a:stretch>
-          </p:blipFill>
-          <p:spPr>
-            <a:xfrm>
-              <a:off x="8515306" y="1817263"/>
-              <a:ext cx="1202435" cy="1202435"/>
-            </a:xfrm>
-            <a:prstGeom prst="rect">
-              <a:avLst/>
-            </a:prstGeom>
-          </p:spPr>
-        </p:pic>
-        <p:pic>
-          <p:nvPicPr>
-            <p:cNvPr id="24" name="图片 23"/>
-            <p:cNvPicPr>
-              <a:picLocks noChangeAspect="1"/>
-            </p:cNvPicPr>
-            <p:nvPr/>
-          </p:nvPicPr>
-          <p:blipFill>
-            <a:blip r:embed="rId5" cstate="print">
-              <a:extLst>
-                <a:ext uri="{28A0092B-C50C-407E-A947-70E740481C1C}">
-                  <a14:useLocalDpi xmlns:a14="http://schemas.microsoft.com/office/drawing/2010/main" val="0"/>
-                </a:ext>
-              </a:extLst>
-            </a:blip>
-            <a:stretch>
-              <a:fillRect/>
-            </a:stretch>
-          </p:blipFill>
-          <p:spPr>
-            <a:xfrm>
-              <a:off x="8692900" y="1050264"/>
-              <a:ext cx="964308" cy="723231"/>
-            </a:xfrm>
-            <a:prstGeom prst="rect">
-              <a:avLst/>
-            </a:prstGeom>
-          </p:spPr>
-        </p:pic>
-        <p:pic>
-          <p:nvPicPr>
-            <p:cNvPr id="25" name="图片 24"/>
-            <p:cNvPicPr>
-              <a:picLocks noChangeAspect="1"/>
-            </p:cNvPicPr>
-            <p:nvPr/>
-          </p:nvPicPr>
-          <p:blipFill>
-            <a:blip r:embed="rId6" cstate="print">
-              <a:extLst>
-                <a:ext uri="{28A0092B-C50C-407E-A947-70E740481C1C}">
-                  <a14:useLocalDpi xmlns:a14="http://schemas.microsoft.com/office/drawing/2010/main" val="0"/>
-                </a:ext>
-              </a:extLst>
-            </a:blip>
-            <a:stretch>
-              <a:fillRect/>
-            </a:stretch>
-          </p:blipFill>
-          <p:spPr>
-            <a:xfrm>
-              <a:off x="8563676" y="2628030"/>
-              <a:ext cx="1222756" cy="978205"/>
-            </a:xfrm>
-            <a:prstGeom prst="rect">
-              <a:avLst/>
-            </a:prstGeom>
-          </p:spPr>
-        </p:pic>
-      </p:grpSp>
-      <p:grpSp>
-        <p:nvGrpSpPr>
           <p:cNvPr id="27" name="组合 26"/>
           <p:cNvGrpSpPr/>
           <p:nvPr/>
         </p:nvGrpSpPr>
         <p:grpSpPr>
           <a:xfrm>
-            <a:off x="5968352" y="1050264"/>
-            <a:ext cx="1271126" cy="3854534"/>
+            <a:off x="7292550" y="1050263"/>
+            <a:ext cx="1271126" cy="4025981"/>
             <a:chOff x="4184376" y="987511"/>
             <a:chExt cx="1271126" cy="3854534"/>
           </a:xfrm>
@@ -3341,6 +3176,201 @@
           <a:xfrm>
             <a:off x="2568867" y="4547011"/>
             <a:ext cx="715574" cy="715574"/>
+          </a:xfrm>
+          <a:prstGeom prst="rect">
+            <a:avLst/>
+          </a:prstGeom>
+        </p:spPr>
+      </p:pic>
+      <p:grpSp>
+        <p:nvGrpSpPr>
+          <p:cNvPr id="4" name="组合 3"/>
+          <p:cNvGrpSpPr/>
+          <p:nvPr/>
+        </p:nvGrpSpPr>
+        <p:grpSpPr>
+          <a:xfrm>
+            <a:off x="8543355" y="1050263"/>
+            <a:ext cx="1271126" cy="4025981"/>
+            <a:chOff x="8515306" y="1050264"/>
+            <a:chExt cx="1271126" cy="3908881"/>
+          </a:xfrm>
+        </p:grpSpPr>
+        <p:pic>
+          <p:nvPicPr>
+            <p:cNvPr id="20" name="图片 19"/>
+            <p:cNvPicPr>
+              <a:picLocks noChangeAspect="1"/>
+            </p:cNvPicPr>
+            <p:nvPr/>
+          </p:nvPicPr>
+          <p:blipFill>
+            <a:blip r:embed="rId2" cstate="print">
+              <a:extLst>
+                <a:ext uri="{28A0092B-C50C-407E-A947-70E740481C1C}">
+                  <a14:useLocalDpi xmlns:a14="http://schemas.microsoft.com/office/drawing/2010/main" val="0"/>
+                </a:ext>
+              </a:extLst>
+            </a:blip>
+            <a:stretch>
+              <a:fillRect/>
+            </a:stretch>
+          </p:blipFill>
+          <p:spPr>
+            <a:xfrm>
+              <a:off x="8817267" y="4243571"/>
+              <a:ext cx="715574" cy="715574"/>
+            </a:xfrm>
+            <a:prstGeom prst="rect">
+              <a:avLst/>
+            </a:prstGeom>
+          </p:spPr>
+        </p:pic>
+        <p:pic>
+          <p:nvPicPr>
+            <p:cNvPr id="21" name="图片 20"/>
+            <p:cNvPicPr>
+              <a:picLocks noChangeAspect="1"/>
+            </p:cNvPicPr>
+            <p:nvPr/>
+          </p:nvPicPr>
+          <p:blipFill>
+            <a:blip r:embed="rId3" cstate="print">
+              <a:extLst>
+                <a:ext uri="{28A0092B-C50C-407E-A947-70E740481C1C}">
+                  <a14:useLocalDpi xmlns:a14="http://schemas.microsoft.com/office/drawing/2010/main" val="0"/>
+                </a:ext>
+              </a:extLst>
+            </a:blip>
+            <a:stretch>
+              <a:fillRect/>
+            </a:stretch>
+          </p:blipFill>
+          <p:spPr>
+            <a:xfrm>
+              <a:off x="8850999" y="3521575"/>
+              <a:ext cx="592012" cy="592012"/>
+            </a:xfrm>
+            <a:prstGeom prst="rect">
+              <a:avLst/>
+            </a:prstGeom>
+          </p:spPr>
+        </p:pic>
+        <p:pic>
+          <p:nvPicPr>
+            <p:cNvPr id="22" name="图片 21"/>
+            <p:cNvPicPr>
+              <a:picLocks noChangeAspect="1"/>
+            </p:cNvPicPr>
+            <p:nvPr/>
+          </p:nvPicPr>
+          <p:blipFill>
+            <a:blip r:embed="rId4">
+              <a:extLst>
+                <a:ext uri="{28A0092B-C50C-407E-A947-70E740481C1C}">
+                  <a14:useLocalDpi xmlns:a14="http://schemas.microsoft.com/office/drawing/2010/main" val="0"/>
+                </a:ext>
+              </a:extLst>
+            </a:blip>
+            <a:stretch>
+              <a:fillRect/>
+            </a:stretch>
+          </p:blipFill>
+          <p:spPr>
+            <a:xfrm>
+              <a:off x="8515306" y="1817263"/>
+              <a:ext cx="1202435" cy="1202435"/>
+            </a:xfrm>
+            <a:prstGeom prst="rect">
+              <a:avLst/>
+            </a:prstGeom>
+          </p:spPr>
+        </p:pic>
+        <p:pic>
+          <p:nvPicPr>
+            <p:cNvPr id="24" name="图片 23"/>
+            <p:cNvPicPr>
+              <a:picLocks noChangeAspect="1"/>
+            </p:cNvPicPr>
+            <p:nvPr/>
+          </p:nvPicPr>
+          <p:blipFill>
+            <a:blip r:embed="rId5" cstate="print">
+              <a:extLst>
+                <a:ext uri="{28A0092B-C50C-407E-A947-70E740481C1C}">
+                  <a14:useLocalDpi xmlns:a14="http://schemas.microsoft.com/office/drawing/2010/main" val="0"/>
+                </a:ext>
+              </a:extLst>
+            </a:blip>
+            <a:stretch>
+              <a:fillRect/>
+            </a:stretch>
+          </p:blipFill>
+          <p:spPr>
+            <a:xfrm>
+              <a:off x="8692900" y="1050264"/>
+              <a:ext cx="964308" cy="723231"/>
+            </a:xfrm>
+            <a:prstGeom prst="rect">
+              <a:avLst/>
+            </a:prstGeom>
+          </p:spPr>
+        </p:pic>
+        <p:pic>
+          <p:nvPicPr>
+            <p:cNvPr id="25" name="图片 24"/>
+            <p:cNvPicPr>
+              <a:picLocks noChangeAspect="1"/>
+            </p:cNvPicPr>
+            <p:nvPr/>
+          </p:nvPicPr>
+          <p:blipFill>
+            <a:blip r:embed="rId6" cstate="print">
+              <a:extLst>
+                <a:ext uri="{28A0092B-C50C-407E-A947-70E740481C1C}">
+                  <a14:useLocalDpi xmlns:a14="http://schemas.microsoft.com/office/drawing/2010/main" val="0"/>
+                </a:ext>
+              </a:extLst>
+            </a:blip>
+            <a:stretch>
+              <a:fillRect/>
+            </a:stretch>
+          </p:blipFill>
+          <p:spPr>
+            <a:xfrm>
+              <a:off x="8563676" y="2628030"/>
+              <a:ext cx="1222756" cy="978205"/>
+            </a:xfrm>
+            <a:prstGeom prst="rect">
+              <a:avLst/>
+            </a:prstGeom>
+          </p:spPr>
+        </p:pic>
+      </p:grpSp>
+      <p:pic>
+        <p:nvPicPr>
+          <p:cNvPr id="2" name="图片 1"/>
+          <p:cNvPicPr>
+            <a:picLocks noChangeAspect="1"/>
+          </p:cNvPicPr>
+          <p:nvPr/>
+        </p:nvPicPr>
+        <p:blipFill>
+          <a:blip r:embed="rId7" cstate="print">
+            <a:extLst>
+              <a:ext uri="{28A0092B-C50C-407E-A947-70E740481C1C}">
+                <a14:useLocalDpi xmlns:a14="http://schemas.microsoft.com/office/drawing/2010/main" val="0"/>
+              </a:ext>
+            </a:extLst>
+          </a:blip>
+          <a:stretch>
+            <a:fillRect/>
+          </a:stretch>
+        </p:blipFill>
+        <p:spPr>
+          <a:xfrm>
+            <a:off x="5481401" y="5516511"/>
+            <a:ext cx="787588" cy="787588"/>
           </a:xfrm>
           <a:prstGeom prst="rect">
             <a:avLst/>
